--- a/Shopping_Safe_Online_Guide.pptx
+++ b/Shopping_Safe_Online_Guide.pptx
@@ -136,6 +136,14 @@
 </p:presentation>
 </file>
 
+<file path=ppt/revisionInfo.xml><?xml version="1.0" encoding="utf-8"?>
+<p1510:revInfo xmlns:a="http://schemas.openxmlformats.org/drawingml/2006/main" xmlns:r="http://schemas.openxmlformats.org/officeDocument/2006/relationships" xmlns:p1510="http://schemas.microsoft.com/office/powerpoint/2015/10/main">
+  <p1510:revLst>
+    <p1510:client id="{6943E9BC-A9D4-4C32-966A-E3B9576AC4AB}" v="4" dt="2025-06-15T20:27:33.052"/>
+  </p1510:revLst>
+</p1510:revInfo>
+</file>
+
 <file path=ppt/changesInfos/changesInfo1.xml><?xml version="1.0" encoding="utf-8"?>
 <pc:chgInfo xmlns:a="http://schemas.openxmlformats.org/drawingml/2006/main" xmlns:r="http://schemas.openxmlformats.org/officeDocument/2006/relationships" xmlns:ac="http://schemas.microsoft.com/office/drawing/2013/main/command" xmlns:pc="http://schemas.microsoft.com/office/powerpoint/2013/main/command">
   <pc:docChgLst>
@@ -165,7 +173,7 @@
   <pc:docChgLst>
     <pc:chgData name="Jessica Stovall" userId="0d49f63f8db423f3" providerId="LiveId" clId="{6943E9BC-A9D4-4C32-966A-E3B9576AC4AB}"/>
     <pc:docChg chg="undo custSel modSld">
-      <pc:chgData name="Jessica Stovall" userId="0d49f63f8db423f3" providerId="LiveId" clId="{6943E9BC-A9D4-4C32-966A-E3B9576AC4AB}" dt="2025-06-13T23:59:22.022" v="66" actId="313"/>
+      <pc:chgData name="Jessica Stovall" userId="0d49f63f8db423f3" providerId="LiveId" clId="{6943E9BC-A9D4-4C32-966A-E3B9576AC4AB}" dt="2025-06-15T20:29:57.799" v="339" actId="1076"/>
       <pc:docMkLst>
         <pc:docMk/>
       </pc:docMkLst>
@@ -185,28 +193,411 @@
         </pc:spChg>
       </pc:sldChg>
       <pc:sldChg chg="modSp mod">
-        <pc:chgData name="Jessica Stovall" userId="0d49f63f8db423f3" providerId="LiveId" clId="{6943E9BC-A9D4-4C32-966A-E3B9576AC4AB}" dt="2025-06-13T23:59:22.022" v="66" actId="313"/>
+        <pc:chgData name="Jessica Stovall" userId="0d49f63f8db423f3" providerId="LiveId" clId="{6943E9BC-A9D4-4C32-966A-E3B9576AC4AB}" dt="2025-06-15T20:04:06.862" v="119" actId="1076"/>
         <pc:sldMkLst>
           <pc:docMk/>
           <pc:sldMk cId="0" sldId="257"/>
         </pc:sldMkLst>
         <pc:spChg chg="mod">
-          <ac:chgData name="Jessica Stovall" userId="0d49f63f8db423f3" providerId="LiveId" clId="{6943E9BC-A9D4-4C32-966A-E3B9576AC4AB}" dt="2025-06-13T23:59:22.022" v="66" actId="313"/>
+          <ac:chgData name="Jessica Stovall" userId="0d49f63f8db423f3" providerId="LiveId" clId="{6943E9BC-A9D4-4C32-966A-E3B9576AC4AB}" dt="2025-06-15T19:58:25.319" v="73" actId="14100"/>
+          <ac:spMkLst>
+            <pc:docMk/>
+            <pc:sldMk cId="0" sldId="257"/>
+            <ac:spMk id="2" creationId="{00000000-0000-0000-0000-000000000000}"/>
+          </ac:spMkLst>
+        </pc:spChg>
+        <pc:spChg chg="mod">
+          <ac:chgData name="Jessica Stovall" userId="0d49f63f8db423f3" providerId="LiveId" clId="{6943E9BC-A9D4-4C32-966A-E3B9576AC4AB}" dt="2025-06-15T19:58:29.329" v="75" actId="14100"/>
+          <ac:spMkLst>
+            <pc:docMk/>
+            <pc:sldMk cId="0" sldId="257"/>
+            <ac:spMk id="3" creationId="{00000000-0000-0000-0000-000000000000}"/>
+          </ac:spMkLst>
+        </pc:spChg>
+        <pc:spChg chg="mod">
+          <ac:chgData name="Jessica Stovall" userId="0d49f63f8db423f3" providerId="LiveId" clId="{6943E9BC-A9D4-4C32-966A-E3B9576AC4AB}" dt="2025-06-15T19:58:54.992" v="80" actId="14100"/>
+          <ac:spMkLst>
+            <pc:docMk/>
+            <pc:sldMk cId="0" sldId="257"/>
+            <ac:spMk id="6" creationId="{00000000-0000-0000-0000-000000000000}"/>
+          </ac:spMkLst>
+        </pc:spChg>
+        <pc:spChg chg="mod">
+          <ac:chgData name="Jessica Stovall" userId="0d49f63f8db423f3" providerId="LiveId" clId="{6943E9BC-A9D4-4C32-966A-E3B9576AC4AB}" dt="2025-06-15T20:00:33.229" v="93" actId="14100"/>
+          <ac:spMkLst>
+            <pc:docMk/>
+            <pc:sldMk cId="0" sldId="257"/>
+            <ac:spMk id="7" creationId="{00000000-0000-0000-0000-000000000000}"/>
+          </ac:spMkLst>
+        </pc:spChg>
+        <pc:spChg chg="mod">
+          <ac:chgData name="Jessica Stovall" userId="0d49f63f8db423f3" providerId="LiveId" clId="{6943E9BC-A9D4-4C32-966A-E3B9576AC4AB}" dt="2025-06-15T19:59:23.760" v="85" actId="1076"/>
+          <ac:spMkLst>
+            <pc:docMk/>
+            <pc:sldMk cId="0" sldId="257"/>
+            <ac:spMk id="8" creationId="{00000000-0000-0000-0000-000000000000}"/>
+          </ac:spMkLst>
+        </pc:spChg>
+        <pc:spChg chg="mod">
+          <ac:chgData name="Jessica Stovall" userId="0d49f63f8db423f3" providerId="LiveId" clId="{6943E9BC-A9D4-4C32-966A-E3B9576AC4AB}" dt="2025-06-15T20:02:17.920" v="108" actId="14100"/>
+          <ac:spMkLst>
+            <pc:docMk/>
+            <pc:sldMk cId="0" sldId="257"/>
+            <ac:spMk id="11" creationId="{00000000-0000-0000-0000-000000000000}"/>
+          </ac:spMkLst>
+        </pc:spChg>
+        <pc:spChg chg="mod">
+          <ac:chgData name="Jessica Stovall" userId="0d49f63f8db423f3" providerId="LiveId" clId="{6943E9BC-A9D4-4C32-966A-E3B9576AC4AB}" dt="2025-06-15T20:00:21.506" v="89" actId="14100"/>
+          <ac:spMkLst>
+            <pc:docMk/>
+            <pc:sldMk cId="0" sldId="257"/>
+            <ac:spMk id="14" creationId="{00000000-0000-0000-0000-000000000000}"/>
+          </ac:spMkLst>
+        </pc:spChg>
+        <pc:spChg chg="mod">
+          <ac:chgData name="Jessica Stovall" userId="0d49f63f8db423f3" providerId="LiveId" clId="{6943E9BC-A9D4-4C32-966A-E3B9576AC4AB}" dt="2025-06-15T20:01:53.709" v="103" actId="14100"/>
+          <ac:spMkLst>
+            <pc:docMk/>
+            <pc:sldMk cId="0" sldId="257"/>
+            <ac:spMk id="15" creationId="{00000000-0000-0000-0000-000000000000}"/>
+          </ac:spMkLst>
+        </pc:spChg>
+        <pc:spChg chg="mod">
+          <ac:chgData name="Jessica Stovall" userId="0d49f63f8db423f3" providerId="LiveId" clId="{6943E9BC-A9D4-4C32-966A-E3B9576AC4AB}" dt="2025-06-15T19:58:31.715" v="76" actId="1076"/>
+          <ac:spMkLst>
+            <pc:docMk/>
+            <pc:sldMk cId="0" sldId="257"/>
+            <ac:spMk id="16" creationId="{00000000-0000-0000-0000-000000000000}"/>
+          </ac:spMkLst>
+        </pc:spChg>
+        <pc:spChg chg="mod">
+          <ac:chgData name="Jessica Stovall" userId="0d49f63f8db423f3" providerId="LiveId" clId="{6943E9BC-A9D4-4C32-966A-E3B9576AC4AB}" dt="2025-06-15T19:59:25.896" v="86" actId="1076"/>
+          <ac:spMkLst>
+            <pc:docMk/>
+            <pc:sldMk cId="0" sldId="257"/>
+            <ac:spMk id="17" creationId="{00000000-0000-0000-0000-000000000000}"/>
+          </ac:spMkLst>
+        </pc:spChg>
+        <pc:spChg chg="mod">
+          <ac:chgData name="Jessica Stovall" userId="0d49f63f8db423f3" providerId="LiveId" clId="{6943E9BC-A9D4-4C32-966A-E3B9576AC4AB}" dt="2025-06-15T20:03:59.797" v="117" actId="14100"/>
+          <ac:spMkLst>
+            <pc:docMk/>
+            <pc:sldMk cId="0" sldId="257"/>
+            <ac:spMk id="18" creationId="{00000000-0000-0000-0000-000000000000}"/>
+          </ac:spMkLst>
+        </pc:spChg>
+        <pc:spChg chg="mod">
+          <ac:chgData name="Jessica Stovall" userId="0d49f63f8db423f3" providerId="LiveId" clId="{6943E9BC-A9D4-4C32-966A-E3B9576AC4AB}" dt="2025-06-15T19:59:49.910" v="88" actId="255"/>
+          <ac:spMkLst>
+            <pc:docMk/>
+            <pc:sldMk cId="0" sldId="257"/>
+            <ac:spMk id="20" creationId="{00000000-0000-0000-0000-000000000000}"/>
+          </ac:spMkLst>
+        </pc:spChg>
+        <pc:spChg chg="mod">
+          <ac:chgData name="Jessica Stovall" userId="0d49f63f8db423f3" providerId="LiveId" clId="{6943E9BC-A9D4-4C32-966A-E3B9576AC4AB}" dt="2025-06-15T20:01:24.305" v="98" actId="20577"/>
+          <ac:spMkLst>
+            <pc:docMk/>
+            <pc:sldMk cId="0" sldId="257"/>
+            <ac:spMk id="21" creationId="{00000000-0000-0000-0000-000000000000}"/>
+          </ac:spMkLst>
+        </pc:spChg>
+        <pc:spChg chg="mod">
+          <ac:chgData name="Jessica Stovall" userId="0d49f63f8db423f3" providerId="LiveId" clId="{6943E9BC-A9D4-4C32-966A-E3B9576AC4AB}" dt="2025-06-15T20:02:23.162" v="109" actId="1076"/>
+          <ac:spMkLst>
+            <pc:docMk/>
+            <pc:sldMk cId="0" sldId="257"/>
+            <ac:spMk id="22" creationId="{00000000-0000-0000-0000-000000000000}"/>
+          </ac:spMkLst>
+        </pc:spChg>
+        <pc:spChg chg="mod">
+          <ac:chgData name="Jessica Stovall" userId="0d49f63f8db423f3" providerId="LiveId" clId="{6943E9BC-A9D4-4C32-966A-E3B9576AC4AB}" dt="2025-06-15T20:02:41.915" v="116" actId="20577"/>
+          <ac:spMkLst>
+            <pc:docMk/>
+            <pc:sldMk cId="0" sldId="257"/>
+            <ac:spMk id="23" creationId="{00000000-0000-0000-0000-000000000000}"/>
+          </ac:spMkLst>
+        </pc:spChg>
+        <pc:spChg chg="mod">
+          <ac:chgData name="Jessica Stovall" userId="0d49f63f8db423f3" providerId="LiveId" clId="{6943E9BC-A9D4-4C32-966A-E3B9576AC4AB}" dt="2025-06-15T19:58:36.231" v="79" actId="313"/>
           <ac:spMkLst>
             <pc:docMk/>
             <pc:sldMk cId="0" sldId="257"/>
             <ac:spMk id="24" creationId="{00000000-0000-0000-0000-000000000000}"/>
           </ac:spMkLst>
         </pc:spChg>
+        <pc:spChg chg="mod">
+          <ac:chgData name="Jessica Stovall" userId="0d49f63f8db423f3" providerId="LiveId" clId="{6943E9BC-A9D4-4C32-966A-E3B9576AC4AB}" dt="2025-06-15T19:59:31.470" v="87" actId="14100"/>
+          <ac:spMkLst>
+            <pc:docMk/>
+            <pc:sldMk cId="0" sldId="257"/>
+            <ac:spMk id="25" creationId="{00000000-0000-0000-0000-000000000000}"/>
+          </ac:spMkLst>
+        </pc:spChg>
+        <pc:spChg chg="mod">
+          <ac:chgData name="Jessica Stovall" userId="0d49f63f8db423f3" providerId="LiveId" clId="{6943E9BC-A9D4-4C32-966A-E3B9576AC4AB}" dt="2025-06-15T19:59:17.315" v="83" actId="14100"/>
+          <ac:spMkLst>
+            <pc:docMk/>
+            <pc:sldMk cId="0" sldId="257"/>
+            <ac:spMk id="26" creationId="{00000000-0000-0000-0000-000000000000}"/>
+          </ac:spMkLst>
+        </pc:spChg>
+        <pc:spChg chg="mod">
+          <ac:chgData name="Jessica Stovall" userId="0d49f63f8db423f3" providerId="LiveId" clId="{6943E9BC-A9D4-4C32-966A-E3B9576AC4AB}" dt="2025-06-15T20:00:54.524" v="96" actId="255"/>
+          <ac:spMkLst>
+            <pc:docMk/>
+            <pc:sldMk cId="0" sldId="257"/>
+            <ac:spMk id="27" creationId="{00000000-0000-0000-0000-000000000000}"/>
+          </ac:spMkLst>
+        </pc:spChg>
+        <pc:spChg chg="mod">
+          <ac:chgData name="Jessica Stovall" userId="0d49f63f8db423f3" providerId="LiveId" clId="{6943E9BC-A9D4-4C32-966A-E3B9576AC4AB}" dt="2025-06-15T20:04:06.862" v="119" actId="1076"/>
+          <ac:spMkLst>
+            <pc:docMk/>
+            <pc:sldMk cId="0" sldId="257"/>
+            <ac:spMk id="28" creationId="{00000000-0000-0000-0000-000000000000}"/>
+          </ac:spMkLst>
+        </pc:spChg>
       </pc:sldChg>
       <pc:sldChg chg="modSp mod">
-        <pc:chgData name="Jessica Stovall" userId="0d49f63f8db423f3" providerId="LiveId" clId="{6943E9BC-A9D4-4C32-966A-E3B9576AC4AB}" dt="2025-06-13T23:59:02.451" v="65" actId="255"/>
+        <pc:chgData name="Jessica Stovall" userId="0d49f63f8db423f3" providerId="LiveId" clId="{6943E9BC-A9D4-4C32-966A-E3B9576AC4AB}" dt="2025-06-15T20:13:13.343" v="219" actId="1076"/>
+        <pc:sldMkLst>
+          <pc:docMk/>
+          <pc:sldMk cId="0" sldId="258"/>
+        </pc:sldMkLst>
+        <pc:spChg chg="mod">
+          <ac:chgData name="Jessica Stovall" userId="0d49f63f8db423f3" providerId="LiveId" clId="{6943E9BC-A9D4-4C32-966A-E3B9576AC4AB}" dt="2025-06-15T20:05:10.386" v="122" actId="14100"/>
+          <ac:spMkLst>
+            <pc:docMk/>
+            <pc:sldMk cId="0" sldId="258"/>
+            <ac:spMk id="4" creationId="{00000000-0000-0000-0000-000000000000}"/>
+          </ac:spMkLst>
+        </pc:spChg>
+        <pc:spChg chg="mod">
+          <ac:chgData name="Jessica Stovall" userId="0d49f63f8db423f3" providerId="LiveId" clId="{6943E9BC-A9D4-4C32-966A-E3B9576AC4AB}" dt="2025-06-15T20:07:05.915" v="137" actId="1076"/>
+          <ac:spMkLst>
+            <pc:docMk/>
+            <pc:sldMk cId="0" sldId="258"/>
+            <ac:spMk id="5" creationId="{00000000-0000-0000-0000-000000000000}"/>
+          </ac:spMkLst>
+        </pc:spChg>
+        <pc:spChg chg="mod">
+          <ac:chgData name="Jessica Stovall" userId="0d49f63f8db423f3" providerId="LiveId" clId="{6943E9BC-A9D4-4C32-966A-E3B9576AC4AB}" dt="2025-06-15T20:06:15.371" v="129" actId="14100"/>
+          <ac:spMkLst>
+            <pc:docMk/>
+            <pc:sldMk cId="0" sldId="258"/>
+            <ac:spMk id="6" creationId="{00000000-0000-0000-0000-000000000000}"/>
+          </ac:spMkLst>
+        </pc:spChg>
+        <pc:spChg chg="mod">
+          <ac:chgData name="Jessica Stovall" userId="0d49f63f8db423f3" providerId="LiveId" clId="{6943E9BC-A9D4-4C32-966A-E3B9576AC4AB}" dt="2025-06-15T20:08:22.733" v="149" actId="14100"/>
+          <ac:spMkLst>
+            <pc:docMk/>
+            <pc:sldMk cId="0" sldId="258"/>
+            <ac:spMk id="7" creationId="{00000000-0000-0000-0000-000000000000}"/>
+          </ac:spMkLst>
+        </pc:spChg>
+        <pc:spChg chg="mod">
+          <ac:chgData name="Jessica Stovall" userId="0d49f63f8db423f3" providerId="LiveId" clId="{6943E9BC-A9D4-4C32-966A-E3B9576AC4AB}" dt="2025-06-15T20:06:53.170" v="133" actId="1076"/>
+          <ac:spMkLst>
+            <pc:docMk/>
+            <pc:sldMk cId="0" sldId="258"/>
+            <ac:spMk id="8" creationId="{00000000-0000-0000-0000-000000000000}"/>
+          </ac:spMkLst>
+        </pc:spChg>
+        <pc:spChg chg="mod">
+          <ac:chgData name="Jessica Stovall" userId="0d49f63f8db423f3" providerId="LiveId" clId="{6943E9BC-A9D4-4C32-966A-E3B9576AC4AB}" dt="2025-06-15T20:08:41.219" v="151" actId="1076"/>
+          <ac:spMkLst>
+            <pc:docMk/>
+            <pc:sldMk cId="0" sldId="258"/>
+            <ac:spMk id="9" creationId="{00000000-0000-0000-0000-000000000000}"/>
+          </ac:spMkLst>
+        </pc:spChg>
+        <pc:spChg chg="mod">
+          <ac:chgData name="Jessica Stovall" userId="0d49f63f8db423f3" providerId="LiveId" clId="{6943E9BC-A9D4-4C32-966A-E3B9576AC4AB}" dt="2025-06-15T20:11:12.998" v="193" actId="14100"/>
+          <ac:spMkLst>
+            <pc:docMk/>
+            <pc:sldMk cId="0" sldId="258"/>
+            <ac:spMk id="10" creationId="{00000000-0000-0000-0000-000000000000}"/>
+          </ac:spMkLst>
+        </pc:spChg>
+        <pc:spChg chg="mod">
+          <ac:chgData name="Jessica Stovall" userId="0d49f63f8db423f3" providerId="LiveId" clId="{6943E9BC-A9D4-4C32-966A-E3B9576AC4AB}" dt="2025-06-15T20:12:53.483" v="217" actId="14100"/>
+          <ac:spMkLst>
+            <pc:docMk/>
+            <pc:sldMk cId="0" sldId="258"/>
+            <ac:spMk id="11" creationId="{00000000-0000-0000-0000-000000000000}"/>
+          </ac:spMkLst>
+        </pc:spChg>
+        <pc:spChg chg="mod">
+          <ac:chgData name="Jessica Stovall" userId="0d49f63f8db423f3" providerId="LiveId" clId="{6943E9BC-A9D4-4C32-966A-E3B9576AC4AB}" dt="2025-06-15T20:07:43.180" v="142" actId="14100"/>
+          <ac:spMkLst>
+            <pc:docMk/>
+            <pc:sldMk cId="0" sldId="258"/>
+            <ac:spMk id="14" creationId="{00000000-0000-0000-0000-000000000000}"/>
+          </ac:spMkLst>
+        </pc:spChg>
+        <pc:spChg chg="mod">
+          <ac:chgData name="Jessica Stovall" userId="0d49f63f8db423f3" providerId="LiveId" clId="{6943E9BC-A9D4-4C32-966A-E3B9576AC4AB}" dt="2025-06-15T20:12:42.021" v="215" actId="14100"/>
+          <ac:spMkLst>
+            <pc:docMk/>
+            <pc:sldMk cId="0" sldId="258"/>
+            <ac:spMk id="15" creationId="{00000000-0000-0000-0000-000000000000}"/>
+          </ac:spMkLst>
+        </pc:spChg>
+        <pc:spChg chg="mod">
+          <ac:chgData name="Jessica Stovall" userId="0d49f63f8db423f3" providerId="LiveId" clId="{6943E9BC-A9D4-4C32-966A-E3B9576AC4AB}" dt="2025-06-15T20:12:43.064" v="216" actId="1076"/>
+          <ac:spMkLst>
+            <pc:docMk/>
+            <pc:sldMk cId="0" sldId="258"/>
+            <ac:spMk id="16" creationId="{00000000-0000-0000-0000-000000000000}"/>
+          </ac:spMkLst>
+        </pc:spChg>
+        <pc:spChg chg="mod">
+          <ac:chgData name="Jessica Stovall" userId="0d49f63f8db423f3" providerId="LiveId" clId="{6943E9BC-A9D4-4C32-966A-E3B9576AC4AB}" dt="2025-06-15T20:13:13.343" v="219" actId="1076"/>
+          <ac:spMkLst>
+            <pc:docMk/>
+            <pc:sldMk cId="0" sldId="258"/>
+            <ac:spMk id="17" creationId="{00000000-0000-0000-0000-000000000000}"/>
+          </ac:spMkLst>
+        </pc:spChg>
+        <pc:spChg chg="mod">
+          <ac:chgData name="Jessica Stovall" userId="0d49f63f8db423f3" providerId="LiveId" clId="{6943E9BC-A9D4-4C32-966A-E3B9576AC4AB}" dt="2025-06-15T20:06:54.367" v="134" actId="1076"/>
+          <ac:spMkLst>
+            <pc:docMk/>
+            <pc:sldMk cId="0" sldId="258"/>
+            <ac:spMk id="18" creationId="{00000000-0000-0000-0000-000000000000}"/>
+          </ac:spMkLst>
+        </pc:spChg>
+        <pc:spChg chg="mod">
+          <ac:chgData name="Jessica Stovall" userId="0d49f63f8db423f3" providerId="LiveId" clId="{6943E9BC-A9D4-4C32-966A-E3B9576AC4AB}" dt="2025-06-15T20:07:45.794" v="143" actId="14100"/>
+          <ac:spMkLst>
+            <pc:docMk/>
+            <pc:sldMk cId="0" sldId="258"/>
+            <ac:spMk id="19" creationId="{00000000-0000-0000-0000-000000000000}"/>
+          </ac:spMkLst>
+        </pc:spChg>
+        <pc:spChg chg="mod">
+          <ac:chgData name="Jessica Stovall" userId="0d49f63f8db423f3" providerId="LiveId" clId="{6943E9BC-A9D4-4C32-966A-E3B9576AC4AB}" dt="2025-06-15T20:10:04.643" v="178" actId="255"/>
+          <ac:spMkLst>
+            <pc:docMk/>
+            <pc:sldMk cId="0" sldId="258"/>
+            <ac:spMk id="20" creationId="{00000000-0000-0000-0000-000000000000}"/>
+          </ac:spMkLst>
+        </pc:spChg>
+        <pc:spChg chg="mod">
+          <ac:chgData name="Jessica Stovall" userId="0d49f63f8db423f3" providerId="LiveId" clId="{6943E9BC-A9D4-4C32-966A-E3B9576AC4AB}" dt="2025-06-15T20:09:45.656" v="176" actId="1076"/>
+          <ac:spMkLst>
+            <pc:docMk/>
+            <pc:sldMk cId="0" sldId="258"/>
+            <ac:spMk id="22" creationId="{00000000-0000-0000-0000-000000000000}"/>
+          </ac:spMkLst>
+        </pc:spChg>
+        <pc:spChg chg="mod">
+          <ac:chgData name="Jessica Stovall" userId="0d49f63f8db423f3" providerId="LiveId" clId="{6943E9BC-A9D4-4C32-966A-E3B9576AC4AB}" dt="2025-06-15T20:10:16.213" v="179" actId="255"/>
+          <ac:spMkLst>
+            <pc:docMk/>
+            <pc:sldMk cId="0" sldId="258"/>
+            <ac:spMk id="23" creationId="{00000000-0000-0000-0000-000000000000}"/>
+          </ac:spMkLst>
+        </pc:spChg>
+        <pc:spChg chg="mod">
+          <ac:chgData name="Jessica Stovall" userId="0d49f63f8db423f3" providerId="LiveId" clId="{6943E9BC-A9D4-4C32-966A-E3B9576AC4AB}" dt="2025-06-15T20:09:56.372" v="177" actId="255"/>
+          <ac:spMkLst>
+            <pc:docMk/>
+            <pc:sldMk cId="0" sldId="258"/>
+            <ac:spMk id="24" creationId="{00000000-0000-0000-0000-000000000000}"/>
+          </ac:spMkLst>
+        </pc:spChg>
+        <pc:spChg chg="mod">
+          <ac:chgData name="Jessica Stovall" userId="0d49f63f8db423f3" providerId="LiveId" clId="{6943E9BC-A9D4-4C32-966A-E3B9576AC4AB}" dt="2025-06-15T20:10:25.863" v="183" actId="313"/>
+          <ac:spMkLst>
+            <pc:docMk/>
+            <pc:sldMk cId="0" sldId="258"/>
+            <ac:spMk id="25" creationId="{00000000-0000-0000-0000-000000000000}"/>
+          </ac:spMkLst>
+        </pc:spChg>
+        <pc:spChg chg="mod">
+          <ac:chgData name="Jessica Stovall" userId="0d49f63f8db423f3" providerId="LiveId" clId="{6943E9BC-A9D4-4C32-966A-E3B9576AC4AB}" dt="2025-06-15T20:08:47.278" v="152" actId="1076"/>
+          <ac:spMkLst>
+            <pc:docMk/>
+            <pc:sldMk cId="0" sldId="258"/>
+            <ac:spMk id="26" creationId="{00000000-0000-0000-0000-000000000000}"/>
+          </ac:spMkLst>
+        </pc:spChg>
+        <pc:spChg chg="mod">
+          <ac:chgData name="Jessica Stovall" userId="0d49f63f8db423f3" providerId="LiveId" clId="{6943E9BC-A9D4-4C32-966A-E3B9576AC4AB}" dt="2025-06-15T20:12:58.014" v="218" actId="1076"/>
+          <ac:spMkLst>
+            <pc:docMk/>
+            <pc:sldMk cId="0" sldId="258"/>
+            <ac:spMk id="27" creationId="{00000000-0000-0000-0000-000000000000}"/>
+          </ac:spMkLst>
+        </pc:spChg>
+        <pc:spChg chg="mod">
+          <ac:chgData name="Jessica Stovall" userId="0d49f63f8db423f3" providerId="LiveId" clId="{6943E9BC-A9D4-4C32-966A-E3B9576AC4AB}" dt="2025-06-15T20:12:06.795" v="209" actId="20577"/>
+          <ac:spMkLst>
+            <pc:docMk/>
+            <pc:sldMk cId="0" sldId="258"/>
+            <ac:spMk id="28" creationId="{00000000-0000-0000-0000-000000000000}"/>
+          </ac:spMkLst>
+        </pc:spChg>
+      </pc:sldChg>
+      <pc:sldChg chg="delSp modSp mod">
+        <pc:chgData name="Jessica Stovall" userId="0d49f63f8db423f3" providerId="LiveId" clId="{6943E9BC-A9D4-4C32-966A-E3B9576AC4AB}" dt="2025-06-15T20:29:57.799" v="339" actId="1076"/>
         <pc:sldMkLst>
           <pc:docMk/>
           <pc:sldMk cId="0" sldId="259"/>
         </pc:sldMkLst>
         <pc:spChg chg="mod">
-          <ac:chgData name="Jessica Stovall" userId="0d49f63f8db423f3" providerId="LiveId" clId="{6943E9BC-A9D4-4C32-966A-E3B9576AC4AB}" dt="2025-06-13T23:58:18.186" v="60" actId="14100"/>
+          <ac:chgData name="Jessica Stovall" userId="0d49f63f8db423f3" providerId="LiveId" clId="{6943E9BC-A9D4-4C32-966A-E3B9576AC4AB}" dt="2025-06-15T20:15:36.615" v="232" actId="14100"/>
+          <ac:spMkLst>
+            <pc:docMk/>
+            <pc:sldMk cId="0" sldId="259"/>
+            <ac:spMk id="2" creationId="{00000000-0000-0000-0000-000000000000}"/>
+          </ac:spMkLst>
+        </pc:spChg>
+        <pc:spChg chg="mod">
+          <ac:chgData name="Jessica Stovall" userId="0d49f63f8db423f3" providerId="LiveId" clId="{6943E9BC-A9D4-4C32-966A-E3B9576AC4AB}" dt="2025-06-15T20:14:05.853" v="226" actId="1076"/>
+          <ac:spMkLst>
+            <pc:docMk/>
+            <pc:sldMk cId="0" sldId="259"/>
+            <ac:spMk id="3" creationId="{00000000-0000-0000-0000-000000000000}"/>
+          </ac:spMkLst>
+        </pc:spChg>
+        <pc:spChg chg="mod">
+          <ac:chgData name="Jessica Stovall" userId="0d49f63f8db423f3" providerId="LiveId" clId="{6943E9BC-A9D4-4C32-966A-E3B9576AC4AB}" dt="2025-06-15T20:16:27.747" v="242" actId="14100"/>
+          <ac:spMkLst>
+            <pc:docMk/>
+            <pc:sldMk cId="0" sldId="259"/>
+            <ac:spMk id="5" creationId="{00000000-0000-0000-0000-000000000000}"/>
+          </ac:spMkLst>
+        </pc:spChg>
+        <pc:spChg chg="mod">
+          <ac:chgData name="Jessica Stovall" userId="0d49f63f8db423f3" providerId="LiveId" clId="{6943E9BC-A9D4-4C32-966A-E3B9576AC4AB}" dt="2025-06-15T20:16:08.425" v="237" actId="14100"/>
+          <ac:spMkLst>
+            <pc:docMk/>
+            <pc:sldMk cId="0" sldId="259"/>
+            <ac:spMk id="6" creationId="{00000000-0000-0000-0000-000000000000}"/>
+          </ac:spMkLst>
+        </pc:spChg>
+        <pc:spChg chg="mod">
+          <ac:chgData name="Jessica Stovall" userId="0d49f63f8db423f3" providerId="LiveId" clId="{6943E9BC-A9D4-4C32-966A-E3B9576AC4AB}" dt="2025-06-15T20:29:44.704" v="336" actId="14100"/>
+          <ac:spMkLst>
+            <pc:docMk/>
+            <pc:sldMk cId="0" sldId="259"/>
+            <ac:spMk id="7" creationId="{00000000-0000-0000-0000-000000000000}"/>
+          </ac:spMkLst>
+        </pc:spChg>
+        <pc:spChg chg="mod">
+          <ac:chgData name="Jessica Stovall" userId="0d49f63f8db423f3" providerId="LiveId" clId="{6943E9BC-A9D4-4C32-966A-E3B9576AC4AB}" dt="2025-06-15T20:16:21.179" v="240" actId="14100"/>
+          <ac:spMkLst>
+            <pc:docMk/>
+            <pc:sldMk cId="0" sldId="259"/>
+            <ac:spMk id="8" creationId="{00000000-0000-0000-0000-000000000000}"/>
+          </ac:spMkLst>
+        </pc:spChg>
+        <pc:spChg chg="mod">
+          <ac:chgData name="Jessica Stovall" userId="0d49f63f8db423f3" providerId="LiveId" clId="{6943E9BC-A9D4-4C32-966A-E3B9576AC4AB}" dt="2025-06-15T20:17:20.098" v="248" actId="14100"/>
           <ac:spMkLst>
             <pc:docMk/>
             <pc:sldMk cId="0" sldId="259"/>
@@ -214,7 +605,7 @@
           </ac:spMkLst>
         </pc:spChg>
         <pc:spChg chg="mod">
-          <ac:chgData name="Jessica Stovall" userId="0d49f63f8db423f3" providerId="LiveId" clId="{6943E9BC-A9D4-4C32-966A-E3B9576AC4AB}" dt="2025-06-13T23:58:24.896" v="62" actId="1076"/>
+          <ac:chgData name="Jessica Stovall" userId="0d49f63f8db423f3" providerId="LiveId" clId="{6943E9BC-A9D4-4C32-966A-E3B9576AC4AB}" dt="2025-06-15T20:19:27.328" v="265" actId="1076"/>
           <ac:spMkLst>
             <pc:docMk/>
             <pc:sldMk cId="0" sldId="259"/>
@@ -222,7 +613,63 @@
           </ac:spMkLst>
         </pc:spChg>
         <pc:spChg chg="mod">
-          <ac:chgData name="Jessica Stovall" userId="0d49f63f8db423f3" providerId="LiveId" clId="{6943E9BC-A9D4-4C32-966A-E3B9576AC4AB}" dt="2025-06-13T23:59:02.451" v="65" actId="255"/>
+          <ac:chgData name="Jessica Stovall" userId="0d49f63f8db423f3" providerId="LiveId" clId="{6943E9BC-A9D4-4C32-966A-E3B9576AC4AB}" dt="2025-06-15T20:29:20.506" v="329" actId="14100"/>
+          <ac:spMkLst>
+            <pc:docMk/>
+            <pc:sldMk cId="0" sldId="259"/>
+            <ac:spMk id="12" creationId="{00000000-0000-0000-0000-000000000000}"/>
+          </ac:spMkLst>
+        </pc:spChg>
+        <pc:spChg chg="mod">
+          <ac:chgData name="Jessica Stovall" userId="0d49f63f8db423f3" providerId="LiveId" clId="{6943E9BC-A9D4-4C32-966A-E3B9576AC4AB}" dt="2025-06-15T20:20:43.782" v="275" actId="1076"/>
+          <ac:spMkLst>
+            <pc:docMk/>
+            <pc:sldMk cId="0" sldId="259"/>
+            <ac:spMk id="13" creationId="{00000000-0000-0000-0000-000000000000}"/>
+          </ac:spMkLst>
+        </pc:spChg>
+        <pc:spChg chg="mod">
+          <ac:chgData name="Jessica Stovall" userId="0d49f63f8db423f3" providerId="LiveId" clId="{6943E9BC-A9D4-4C32-966A-E3B9576AC4AB}" dt="2025-06-15T20:29:31.303" v="333" actId="1076"/>
+          <ac:spMkLst>
+            <pc:docMk/>
+            <pc:sldMk cId="0" sldId="259"/>
+            <ac:spMk id="14" creationId="{00000000-0000-0000-0000-000000000000}"/>
+          </ac:spMkLst>
+        </pc:spChg>
+        <pc:spChg chg="mod">
+          <ac:chgData name="Jessica Stovall" userId="0d49f63f8db423f3" providerId="LiveId" clId="{6943E9BC-A9D4-4C32-966A-E3B9576AC4AB}" dt="2025-06-15T20:29:54.359" v="338" actId="1076"/>
+          <ac:spMkLst>
+            <pc:docMk/>
+            <pc:sldMk cId="0" sldId="259"/>
+            <ac:spMk id="15" creationId="{00000000-0000-0000-0000-000000000000}"/>
+          </ac:spMkLst>
+        </pc:spChg>
+        <pc:spChg chg="mod">
+          <ac:chgData name="Jessica Stovall" userId="0d49f63f8db423f3" providerId="LiveId" clId="{6943E9BC-A9D4-4C32-966A-E3B9576AC4AB}" dt="2025-06-15T20:29:57.799" v="339" actId="1076"/>
+          <ac:spMkLst>
+            <pc:docMk/>
+            <pc:sldMk cId="0" sldId="259"/>
+            <ac:spMk id="16" creationId="{00000000-0000-0000-0000-000000000000}"/>
+          </ac:spMkLst>
+        </pc:spChg>
+        <pc:spChg chg="mod">
+          <ac:chgData name="Jessica Stovall" userId="0d49f63f8db423f3" providerId="LiveId" clId="{6943E9BC-A9D4-4C32-966A-E3B9576AC4AB}" dt="2025-06-15T20:14:07.729" v="227" actId="1076"/>
+          <ac:spMkLst>
+            <pc:docMk/>
+            <pc:sldMk cId="0" sldId="259"/>
+            <ac:spMk id="17" creationId="{00000000-0000-0000-0000-000000000000}"/>
+          </ac:spMkLst>
+        </pc:spChg>
+        <pc:spChg chg="mod">
+          <ac:chgData name="Jessica Stovall" userId="0d49f63f8db423f3" providerId="LiveId" clId="{6943E9BC-A9D4-4C32-966A-E3B9576AC4AB}" dt="2025-06-15T20:22:28.437" v="290" actId="1076"/>
+          <ac:spMkLst>
+            <pc:docMk/>
+            <pc:sldMk cId="0" sldId="259"/>
+            <ac:spMk id="20" creationId="{00000000-0000-0000-0000-000000000000}"/>
+          </ac:spMkLst>
+        </pc:spChg>
+        <pc:spChg chg="mod">
+          <ac:chgData name="Jessica Stovall" userId="0d49f63f8db423f3" providerId="LiveId" clId="{6943E9BC-A9D4-4C32-966A-E3B9576AC4AB}" dt="2025-06-15T20:15:29.718" v="231" actId="255"/>
           <ac:spMkLst>
             <pc:docMk/>
             <pc:sldMk cId="0" sldId="259"/>
@@ -230,11 +677,43 @@
           </ac:spMkLst>
         </pc:spChg>
         <pc:spChg chg="mod">
-          <ac:chgData name="Jessica Stovall" userId="0d49f63f8db423f3" providerId="LiveId" clId="{6943E9BC-A9D4-4C32-966A-E3B9576AC4AB}" dt="2025-06-13T23:58:41.549" v="64" actId="14100"/>
+          <ac:chgData name="Jessica Stovall" userId="0d49f63f8db423f3" providerId="LiveId" clId="{6943E9BC-A9D4-4C32-966A-E3B9576AC4AB}" dt="2025-06-15T20:16:54.064" v="246" actId="20577"/>
+          <ac:spMkLst>
+            <pc:docMk/>
+            <pc:sldMk cId="0" sldId="259"/>
+            <ac:spMk id="22" creationId="{00000000-0000-0000-0000-000000000000}"/>
+          </ac:spMkLst>
+        </pc:spChg>
+        <pc:spChg chg="mod">
+          <ac:chgData name="Jessica Stovall" userId="0d49f63f8db423f3" providerId="LiveId" clId="{6943E9BC-A9D4-4C32-966A-E3B9576AC4AB}" dt="2025-06-15T20:17:14.943" v="247" actId="1076"/>
+          <ac:spMkLst>
+            <pc:docMk/>
+            <pc:sldMk cId="0" sldId="259"/>
+            <ac:spMk id="23" creationId="{00000000-0000-0000-0000-000000000000}"/>
+          </ac:spMkLst>
+        </pc:spChg>
+        <pc:spChg chg="del mod">
+          <ac:chgData name="Jessica Stovall" userId="0d49f63f8db423f3" providerId="LiveId" clId="{6943E9BC-A9D4-4C32-966A-E3B9576AC4AB}" dt="2025-06-15T20:28:15.175" v="306"/>
           <ac:spMkLst>
             <pc:docMk/>
             <pc:sldMk cId="0" sldId="259"/>
             <ac:spMk id="25" creationId="{00000000-0000-0000-0000-000000000000}"/>
+          </ac:spMkLst>
+        </pc:spChg>
+        <pc:spChg chg="mod">
+          <ac:chgData name="Jessica Stovall" userId="0d49f63f8db423f3" providerId="LiveId" clId="{6943E9BC-A9D4-4C32-966A-E3B9576AC4AB}" dt="2025-06-15T20:19:17.042" v="263" actId="255"/>
+          <ac:spMkLst>
+            <pc:docMk/>
+            <pc:sldMk cId="0" sldId="259"/>
+            <ac:spMk id="26" creationId="{00000000-0000-0000-0000-000000000000}"/>
+          </ac:spMkLst>
+        </pc:spChg>
+        <pc:spChg chg="mod">
+          <ac:chgData name="Jessica Stovall" userId="0d49f63f8db423f3" providerId="LiveId" clId="{6943E9BC-A9D4-4C32-966A-E3B9576AC4AB}" dt="2025-06-15T20:22:03.332" v="289" actId="20577"/>
+          <ac:spMkLst>
+            <pc:docMk/>
+            <pc:sldMk cId="0" sldId="259"/>
+            <ac:spMk id="27" creationId="{00000000-0000-0000-0000-000000000000}"/>
           </ac:spMkLst>
         </pc:spChg>
       </pc:sldChg>
@@ -423,7 +902,7 @@
             <a:fld id="{1D8BD707-D9CF-40AE-B4C6-C98DA3205C09}" type="datetimeFigureOut">
               <a:rPr lang="en-US" smtClean="0"/>
               <a:pPr/>
-              <a:t>6/13/2025</a:t>
+              <a:t>6/15/2025</a:t>
             </a:fld>
             <a:endParaRPr lang="en-US"/>
           </a:p>
@@ -588,7 +1067,7 @@
             <a:fld id="{1D8BD707-D9CF-40AE-B4C6-C98DA3205C09}" type="datetimeFigureOut">
               <a:rPr lang="en-US" smtClean="0"/>
               <a:pPr/>
-              <a:t>6/13/2025</a:t>
+              <a:t>6/15/2025</a:t>
             </a:fld>
             <a:endParaRPr lang="en-US"/>
           </a:p>
@@ -763,7 +1242,7 @@
             <a:fld id="{1D8BD707-D9CF-40AE-B4C6-C98DA3205C09}" type="datetimeFigureOut">
               <a:rPr lang="en-US" smtClean="0"/>
               <a:pPr/>
-              <a:t>6/13/2025</a:t>
+              <a:t>6/15/2025</a:t>
             </a:fld>
             <a:endParaRPr lang="en-US"/>
           </a:p>
@@ -928,7 +1407,7 @@
             <a:fld id="{1D8BD707-D9CF-40AE-B4C6-C98DA3205C09}" type="datetimeFigureOut">
               <a:rPr lang="en-US" smtClean="0"/>
               <a:pPr/>
-              <a:t>6/13/2025</a:t>
+              <a:t>6/15/2025</a:t>
             </a:fld>
             <a:endParaRPr lang="en-US"/>
           </a:p>
@@ -1170,7 +1649,7 @@
             <a:fld id="{1D8BD707-D9CF-40AE-B4C6-C98DA3205C09}" type="datetimeFigureOut">
               <a:rPr lang="en-US" smtClean="0"/>
               <a:pPr/>
-              <a:t>6/13/2025</a:t>
+              <a:t>6/15/2025</a:t>
             </a:fld>
             <a:endParaRPr lang="en-US"/>
           </a:p>
@@ -1452,7 +1931,7 @@
             <a:fld id="{1D8BD707-D9CF-40AE-B4C6-C98DA3205C09}" type="datetimeFigureOut">
               <a:rPr lang="en-US" smtClean="0"/>
               <a:pPr/>
-              <a:t>6/13/2025</a:t>
+              <a:t>6/15/2025</a:t>
             </a:fld>
             <a:endParaRPr lang="en-US"/>
           </a:p>
@@ -1868,7 +2347,7 @@
             <a:fld id="{1D8BD707-D9CF-40AE-B4C6-C98DA3205C09}" type="datetimeFigureOut">
               <a:rPr lang="en-US" smtClean="0"/>
               <a:pPr/>
-              <a:t>6/13/2025</a:t>
+              <a:t>6/15/2025</a:t>
             </a:fld>
             <a:endParaRPr lang="en-US"/>
           </a:p>
@@ -1982,7 +2461,7 @@
             <a:fld id="{1D8BD707-D9CF-40AE-B4C6-C98DA3205C09}" type="datetimeFigureOut">
               <a:rPr lang="en-US" smtClean="0"/>
               <a:pPr/>
-              <a:t>6/13/2025</a:t>
+              <a:t>6/15/2025</a:t>
             </a:fld>
             <a:endParaRPr lang="en-US"/>
           </a:p>
@@ -2074,7 +2553,7 @@
             <a:fld id="{1D8BD707-D9CF-40AE-B4C6-C98DA3205C09}" type="datetimeFigureOut">
               <a:rPr lang="en-US" smtClean="0"/>
               <a:pPr/>
-              <a:t>6/13/2025</a:t>
+              <a:t>6/15/2025</a:t>
             </a:fld>
             <a:endParaRPr lang="en-US"/>
           </a:p>
@@ -2346,7 +2825,7 @@
             <a:fld id="{1D8BD707-D9CF-40AE-B4C6-C98DA3205C09}" type="datetimeFigureOut">
               <a:rPr lang="en-US" smtClean="0"/>
               <a:pPr/>
-              <a:t>6/13/2025</a:t>
+              <a:t>6/15/2025</a:t>
             </a:fld>
             <a:endParaRPr lang="en-US"/>
           </a:p>
@@ -2595,7 +3074,7 @@
             <a:fld id="{1D8BD707-D9CF-40AE-B4C6-C98DA3205C09}" type="datetimeFigureOut">
               <a:rPr lang="en-US" smtClean="0"/>
               <a:pPr/>
-              <a:t>6/13/2025</a:t>
+              <a:t>6/15/2025</a:t>
             </a:fld>
             <a:endParaRPr lang="en-US"/>
           </a:p>
@@ -2803,7 +3282,7 @@
             <a:fld id="{1D8BD707-D9CF-40AE-B4C6-C98DA3205C09}" type="datetimeFigureOut">
               <a:rPr lang="en-US" smtClean="0"/>
               <a:pPr/>
-              <a:t>6/13/2025</a:t>
+              <a:t>6/15/2025</a:t>
             </a:fld>
             <a:endParaRPr lang="en-US"/>
           </a:p>
@@ -3516,8 +3995,8 @@
         </p:nvSpPr>
         <p:spPr>
           <a:xfrm>
-            <a:off x="2294617" y="1793907"/>
-            <a:ext cx="5311695" cy="1786057"/>
+            <a:off x="1871991" y="1793907"/>
+            <a:ext cx="5734322" cy="1786057"/>
           </a:xfrm>
           <a:custGeom>
             <a:avLst/>
@@ -3575,8 +4054,8 @@
         </p:nvSpPr>
         <p:spPr>
           <a:xfrm>
-            <a:off x="324605" y="1233199"/>
-            <a:ext cx="2258583" cy="2258583"/>
+            <a:off x="166087" y="1233200"/>
+            <a:ext cx="1845678" cy="1917624"/>
           </a:xfrm>
           <a:custGeom>
             <a:avLst/>
@@ -3753,7 +4232,7 @@
         <p:spPr>
           <a:xfrm>
             <a:off x="1724910" y="3468556"/>
-            <a:ext cx="3849115" cy="1193226"/>
+            <a:ext cx="3849115" cy="1013147"/>
           </a:xfrm>
           <a:custGeom>
             <a:avLst/>
@@ -3811,8 +4290,8 @@
         </p:nvSpPr>
         <p:spPr>
           <a:xfrm>
-            <a:off x="1582958" y="6397518"/>
-            <a:ext cx="5814667" cy="1234879"/>
+            <a:off x="1869583" y="6397518"/>
+            <a:ext cx="5766046" cy="1256535"/>
           </a:xfrm>
           <a:custGeom>
             <a:avLst/>
@@ -3870,7 +4349,7 @@
         </p:nvSpPr>
         <p:spPr>
           <a:xfrm>
-            <a:off x="5574025" y="3941082"/>
+            <a:off x="5740149" y="3944502"/>
             <a:ext cx="1735022" cy="1735022"/>
           </a:xfrm>
           <a:custGeom>
@@ -4049,8 +4528,8 @@
         </p:nvSpPr>
         <p:spPr>
           <a:xfrm>
-            <a:off x="2388197" y="7737172"/>
-            <a:ext cx="4053338" cy="1256535"/>
+            <a:off x="2388197" y="7733917"/>
+            <a:ext cx="4053338" cy="1111625"/>
           </a:xfrm>
           <a:custGeom>
             <a:avLst/>
@@ -4227,7 +4706,7 @@
         <p:spPr>
           <a:xfrm>
             <a:off x="-36882" y="5848382"/>
-            <a:ext cx="2258583" cy="2258583"/>
+            <a:ext cx="2039219" cy="2004633"/>
           </a:xfrm>
           <a:custGeom>
             <a:avLst/>
@@ -4285,8 +4764,8 @@
         </p:nvSpPr>
         <p:spPr>
           <a:xfrm>
-            <a:off x="5871290" y="7942911"/>
-            <a:ext cx="1735022" cy="1735022"/>
+            <a:off x="6087761" y="7979159"/>
+            <a:ext cx="1621205" cy="1698773"/>
           </a:xfrm>
           <a:custGeom>
             <a:avLst/>
@@ -4344,8 +4823,8 @@
         </p:nvSpPr>
         <p:spPr>
           <a:xfrm>
-            <a:off x="291284" y="1233199"/>
-            <a:ext cx="2290164" cy="2290164"/>
+            <a:off x="192301" y="1366200"/>
+            <a:ext cx="1698198" cy="1710436"/>
           </a:xfrm>
           <a:custGeom>
             <a:avLst/>
@@ -4397,7 +4876,7 @@
         </p:nvSpPr>
         <p:spPr>
           <a:xfrm>
-            <a:off x="5639486" y="4229353"/>
+            <a:off x="5826713" y="4188599"/>
             <a:ext cx="1550585" cy="966460"/>
           </a:xfrm>
           <a:custGeom>
@@ -4450,8 +4929,8 @@
         </p:nvSpPr>
         <p:spPr>
           <a:xfrm>
-            <a:off x="312831" y="5702755"/>
-            <a:ext cx="1559159" cy="2004633"/>
+            <a:off x="192301" y="5981732"/>
+            <a:ext cx="1503629" cy="1652806"/>
           </a:xfrm>
           <a:custGeom>
             <a:avLst/>
@@ -4563,7 +5042,7 @@
               </a:spcBef>
             </a:pPr>
             <a:r>
-              <a:rPr lang="en-US" sz="2361" spc="23">
+              <a:rPr lang="en-US" sz="2300" spc="23" dirty="0">
                 <a:solidFill>
                   <a:srgbClr val="000000"/>
                 </a:solidFill>
@@ -4583,7 +5062,7 @@
         <p:spPr>
           <a:xfrm>
             <a:off x="2090915" y="6591241"/>
-            <a:ext cx="5218132" cy="891509"/>
+            <a:ext cx="5218132" cy="579454"/>
           </a:xfrm>
           <a:prstGeom prst="rect">
             <a:avLst/>
@@ -4604,7 +5083,7 @@
               </a:spcBef>
             </a:pPr>
             <a:r>
-              <a:rPr lang="en-US" sz="1802" spc="18">
+              <a:rPr lang="en-US" sz="1802" spc="18" dirty="0">
                 <a:solidFill>
                   <a:srgbClr val="000000"/>
                 </a:solidFill>
@@ -4623,7 +5102,7 @@
         </p:nvSpPr>
         <p:spPr>
           <a:xfrm>
-            <a:off x="2680759" y="7860997"/>
+            <a:off x="2718093" y="7821325"/>
             <a:ext cx="3544398" cy="742315"/>
           </a:xfrm>
           <a:prstGeom prst="rect">
@@ -4645,7 +5124,7 @@
               </a:spcBef>
             </a:pPr>
             <a:r>
-              <a:rPr lang="en-US" sz="2299" spc="22">
+              <a:rPr lang="en-US" sz="2299" spc="22" dirty="0">
                 <a:solidFill>
                   <a:srgbClr val="000000"/>
                 </a:solidFill>
@@ -4665,7 +5144,7 @@
         <p:spPr>
           <a:xfrm>
             <a:off x="766992" y="8632499"/>
-            <a:ext cx="5320770" cy="758771"/>
+            <a:ext cx="5320770" cy="769441"/>
           </a:xfrm>
           <a:prstGeom prst="rect">
             <a:avLst/>
@@ -4686,13 +5165,13 @@
               </a:spcBef>
             </a:pPr>
             <a:r>
-              <a:rPr lang="en-US" sz="1575" spc="15">
+              <a:rPr lang="en-US" spc="15" dirty="0">
                 <a:solidFill>
                   <a:srgbClr val="000000"/>
                 </a:solidFill>
                 <a:latin typeface="Sigher"/>
               </a:rPr>
-              <a:t>Any e-store that promises too much at too low a price is suspicious. If the price is too low, consider whether the merchant came by the items legally</a:t>
+              <a:t>Any e-store that promises too much at too low of a price is suspicious. If the price is too low, consider whether the merchant came by the items legally</a:t>
             </a:r>
           </a:p>
         </p:txBody>
@@ -4706,7 +5185,7 @@
         <p:spPr>
           <a:xfrm>
             <a:off x="2011764" y="1394491"/>
-            <a:ext cx="4806205" cy="370840"/>
+            <a:ext cx="4806205" cy="377026"/>
           </a:xfrm>
           <a:prstGeom prst="rect">
             <a:avLst/>
@@ -4733,7 +5212,7 @@
                 </a:solidFill>
                 <a:latin typeface="Sigher"/>
               </a:rPr>
-              <a:t>Don't Shop When Using Public </a:t>
+              <a:t>Don’t Shop When Using Public </a:t>
             </a:r>
             <a:r>
               <a:rPr lang="en-US" sz="2299" spc="22" dirty="0" err="1">
@@ -4764,15 +5243,15 @@
         </p:nvSpPr>
         <p:spPr>
           <a:xfrm>
-            <a:off x="2294617" y="2079240"/>
-            <a:ext cx="5311695" cy="1186815"/>
+            <a:off x="2221701" y="2079240"/>
+            <a:ext cx="5384611" cy="1186815"/>
           </a:xfrm>
           <a:prstGeom prst="rect">
             <a:avLst/>
           </a:prstGeom>
         </p:spPr>
         <p:txBody>
-          <a:bodyPr lIns="0" tIns="0" rIns="0" bIns="0" rtlCol="0" anchor="t">
+          <a:bodyPr wrap="square" lIns="0" tIns="0" rIns="0" bIns="0" rtlCol="0" anchor="t">
             <a:spAutoFit/>
           </a:bodyPr>
           <a:lstStyle/>
@@ -4786,7 +5265,7 @@
               </a:spcBef>
             </a:pPr>
             <a:r>
-              <a:rPr lang="en-US" sz="1799" spc="17">
+              <a:rPr lang="en-US" sz="1799" spc="17" dirty="0">
                 <a:solidFill>
                   <a:srgbClr val="000000"/>
                 </a:solidFill>
@@ -4805,13 +5284,31 @@
               </a:spcBef>
             </a:pPr>
             <a:r>
-              <a:rPr lang="en-US" sz="1799" spc="17">
+              <a:rPr lang="en-US" sz="1799" spc="17" dirty="0">
                 <a:solidFill>
                   <a:srgbClr val="000000"/>
                 </a:solidFill>
                 <a:latin typeface="Sigher"/>
               </a:rPr>
-              <a:t> you're shopping online Public WiFi is not secure—</a:t>
+              <a:t> you're shopping online Public </a:t>
+            </a:r>
+            <a:r>
+              <a:rPr lang="en-US" sz="1799" spc="17" dirty="0" err="1">
+                <a:solidFill>
+                  <a:srgbClr val="000000"/>
+                </a:solidFill>
+                <a:latin typeface="Sigher"/>
+              </a:rPr>
+              <a:t>WiFi</a:t>
+            </a:r>
+            <a:r>
+              <a:rPr lang="en-US" sz="1799" spc="17" dirty="0">
+                <a:solidFill>
+                  <a:srgbClr val="000000"/>
+                </a:solidFill>
+                <a:latin typeface="Sigher"/>
+              </a:rPr>
+              <a:t> is not secure—</a:t>
             </a:r>
           </a:p>
           <a:p>
@@ -4824,7 +5321,7 @@
               </a:spcBef>
             </a:pPr>
             <a:r>
-              <a:rPr lang="en-US" sz="1799" spc="17">
+              <a:rPr lang="en-US" sz="1799" spc="17" dirty="0">
                 <a:solidFill>
                   <a:srgbClr val="000000"/>
                 </a:solidFill>
@@ -4843,15 +5340,15 @@
         </p:nvSpPr>
         <p:spPr>
           <a:xfrm>
-            <a:off x="1436366" y="4586478"/>
-            <a:ext cx="4323678" cy="798544"/>
+            <a:off x="1250347" y="4517503"/>
+            <a:ext cx="4509697" cy="807913"/>
           </a:xfrm>
           <a:prstGeom prst="rect">
             <a:avLst/>
           </a:prstGeom>
         </p:spPr>
         <p:txBody>
-          <a:bodyPr lIns="0" tIns="0" rIns="0" bIns="0" rtlCol="0" anchor="t">
+          <a:bodyPr wrap="square" lIns="0" tIns="0" rIns="0" bIns="0" rtlCol="0" anchor="t">
             <a:spAutoFit/>
           </a:bodyPr>
           <a:lstStyle/>
@@ -4865,13 +5362,22 @@
               </a:spcBef>
             </a:pPr>
             <a:r>
-              <a:rPr lang="en-US" sz="1622" spc="16">
+              <a:rPr lang="en-US" sz="1622" spc="16" dirty="0">
                 <a:solidFill>
                   <a:srgbClr val="000000"/>
                 </a:solidFill>
                 <a:latin typeface="Sigher"/>
               </a:rPr>
-              <a:t> If the website URL starts with HTTPS rather than HTTP and has a padlock beside the name, that means that the security certificate is valid.</a:t>
+              <a:t> </a:t>
+            </a:r>
+            <a:r>
+              <a:rPr lang="en-US" spc="16" dirty="0">
+                <a:solidFill>
+                  <a:srgbClr val="000000"/>
+                </a:solidFill>
+                <a:latin typeface="Sigher"/>
+              </a:rPr>
+              <a:t>If the website URL starts with HTTPS rather than HTTP and has a padlock beside the name, that means that the security certificate is valid.</a:t>
             </a:r>
           </a:p>
         </p:txBody>
@@ -4906,7 +5412,7 @@
               </a:spcBef>
             </a:pPr>
             <a:r>
-              <a:rPr lang="en-US" sz="2361" spc="23">
+              <a:rPr lang="en-US" sz="2300" spc="23" dirty="0">
                 <a:solidFill>
                   <a:srgbClr val="000000"/>
                 </a:solidFill>
@@ -4925,8 +5431,8 @@
         </p:nvSpPr>
         <p:spPr>
           <a:xfrm>
-            <a:off x="6023240" y="8182283"/>
-            <a:ext cx="1374385" cy="1374385"/>
+            <a:off x="6349142" y="8088869"/>
+            <a:ext cx="1098442" cy="1413440"/>
           </a:xfrm>
           <a:custGeom>
             <a:avLst/>
@@ -5129,8 +5635,8 @@
         </p:nvSpPr>
         <p:spPr>
           <a:xfrm>
-            <a:off x="2034046" y="1233199"/>
-            <a:ext cx="4806205" cy="907171"/>
+            <a:off x="2034046" y="912705"/>
+            <a:ext cx="4806205" cy="1227666"/>
           </a:xfrm>
           <a:custGeom>
             <a:avLst/>
@@ -5188,8 +5694,8 @@
         </p:nvSpPr>
         <p:spPr>
           <a:xfrm>
-            <a:off x="1061084" y="4142168"/>
-            <a:ext cx="5074242" cy="1706214"/>
+            <a:off x="1026281" y="4273298"/>
+            <a:ext cx="5311695" cy="1754493"/>
           </a:xfrm>
           <a:custGeom>
             <a:avLst/>
@@ -5235,7 +5741,7 @@
           <a:bodyPr/>
           <a:lstStyle/>
           <a:p>
-            <a:endParaRPr lang="en-US"/>
+            <a:endParaRPr lang="en-US" dirty="0"/>
           </a:p>
         </p:txBody>
       </p:sp>
@@ -5247,8 +5753,8 @@
         </p:nvSpPr>
         <p:spPr>
           <a:xfrm>
-            <a:off x="1724910" y="3468556"/>
-            <a:ext cx="3849115" cy="1193226"/>
+            <a:off x="1635744" y="3351674"/>
+            <a:ext cx="3938282" cy="1310108"/>
           </a:xfrm>
           <a:custGeom>
             <a:avLst/>
@@ -5306,8 +5812,8 @@
         </p:nvSpPr>
         <p:spPr>
           <a:xfrm>
-            <a:off x="1582958" y="6397518"/>
-            <a:ext cx="5814667" cy="1234879"/>
+            <a:off x="1527561" y="6467562"/>
+            <a:ext cx="6099604" cy="1478402"/>
           </a:xfrm>
           <a:custGeom>
             <a:avLst/>
@@ -5365,7 +5871,7 @@
         </p:nvSpPr>
         <p:spPr>
           <a:xfrm>
-            <a:off x="5574025" y="3941082"/>
+            <a:off x="5749318" y="3940089"/>
             <a:ext cx="1735022" cy="1735022"/>
           </a:xfrm>
           <a:custGeom>
@@ -5424,7 +5930,7 @@
         </p:nvSpPr>
         <p:spPr>
           <a:xfrm>
-            <a:off x="2130281" y="5902675"/>
+            <a:off x="2130281" y="6061949"/>
             <a:ext cx="4251106" cy="802396"/>
           </a:xfrm>
           <a:custGeom>
@@ -5483,8 +5989,8 @@
         </p:nvSpPr>
         <p:spPr>
           <a:xfrm>
-            <a:off x="145235" y="8393763"/>
-            <a:ext cx="7481930" cy="1511284"/>
+            <a:off x="145235" y="8393762"/>
+            <a:ext cx="7481930" cy="1664637"/>
           </a:xfrm>
           <a:custGeom>
             <a:avLst/>
@@ -5542,8 +6048,8 @@
         </p:nvSpPr>
         <p:spPr>
           <a:xfrm>
-            <a:off x="2388197" y="7737172"/>
-            <a:ext cx="3483093" cy="1079759"/>
+            <a:off x="2388197" y="8049712"/>
+            <a:ext cx="3483093" cy="767219"/>
           </a:xfrm>
           <a:custGeom>
             <a:avLst/>
@@ -5719,8 +6225,8 @@
         </p:nvSpPr>
         <p:spPr>
           <a:xfrm>
-            <a:off x="-36882" y="5848382"/>
-            <a:ext cx="2258583" cy="2258583"/>
+            <a:off x="5446" y="5848383"/>
+            <a:ext cx="1920226" cy="2117390"/>
           </a:xfrm>
           <a:custGeom>
             <a:avLst/>
@@ -5778,8 +6284,8 @@
         </p:nvSpPr>
         <p:spPr>
           <a:xfrm>
-            <a:off x="6130024" y="7632397"/>
-            <a:ext cx="1901110" cy="1901110"/>
+            <a:off x="6441535" y="8122680"/>
+            <a:ext cx="1325420" cy="1410826"/>
           </a:xfrm>
           <a:custGeom>
             <a:avLst/>
@@ -5837,7 +6343,7 @@
         </p:nvSpPr>
         <p:spPr>
           <a:xfrm>
-            <a:off x="6484167" y="7737172"/>
+            <a:off x="6559041" y="8290014"/>
             <a:ext cx="1122145" cy="1122145"/>
           </a:xfrm>
           <a:custGeom>
@@ -5890,7 +6396,7 @@
         </p:nvSpPr>
         <p:spPr>
           <a:xfrm>
-            <a:off x="286905" y="1395128"/>
+            <a:off x="353612" y="1502579"/>
             <a:ext cx="2202750" cy="1696586"/>
           </a:xfrm>
           <a:custGeom>
@@ -5943,7 +6449,7 @@
         </p:nvSpPr>
         <p:spPr>
           <a:xfrm>
-            <a:off x="5773660" y="3915322"/>
+            <a:off x="5999729" y="3928805"/>
             <a:ext cx="1215452" cy="1511103"/>
           </a:xfrm>
           <a:custGeom>
@@ -5996,8 +6502,8 @@
         </p:nvSpPr>
         <p:spPr>
           <a:xfrm>
-            <a:off x="193149" y="6257640"/>
-            <a:ext cx="1647448" cy="1234130"/>
+            <a:off x="193149" y="6248451"/>
+            <a:ext cx="1452984" cy="1243319"/>
           </a:xfrm>
           <a:custGeom>
             <a:avLst/>
@@ -6049,8 +6555,8 @@
         </p:nvSpPr>
         <p:spPr>
           <a:xfrm>
-            <a:off x="2040898" y="1438307"/>
-            <a:ext cx="4806205" cy="327025"/>
+            <a:off x="2056564" y="1131738"/>
+            <a:ext cx="4806205" cy="667747"/>
           </a:xfrm>
           <a:prstGeom prst="rect">
             <a:avLst/>
@@ -6071,7 +6577,7 @@
               </a:spcBef>
             </a:pPr>
             <a:r>
-              <a:rPr lang="en-US" sz="1999" spc="19">
+              <a:rPr lang="en-US" sz="2300" spc="19" dirty="0">
                 <a:solidFill>
                   <a:srgbClr val="000000"/>
                 </a:solidFill>
@@ -6128,8 +6634,8 @@
         </p:nvSpPr>
         <p:spPr>
           <a:xfrm>
-            <a:off x="1724910" y="4431601"/>
-            <a:ext cx="3713039" cy="1111981"/>
+            <a:off x="1740477" y="4496972"/>
+            <a:ext cx="3713039" cy="1403333"/>
           </a:xfrm>
           <a:prstGeom prst="rect">
             <a:avLst/>
@@ -6150,7 +6656,7 @@
               </a:spcBef>
             </a:pPr>
             <a:r>
-              <a:rPr lang="en-US" sz="1692" spc="16">
+              <a:rPr lang="en-US" spc="16" dirty="0">
                 <a:solidFill>
                   <a:srgbClr val="000000"/>
                 </a:solidFill>
@@ -6170,7 +6676,7 @@
         <p:spPr>
           <a:xfrm>
             <a:off x="2489654" y="2099304"/>
-            <a:ext cx="4929134" cy="1186643"/>
+            <a:ext cx="4929134" cy="1217834"/>
           </a:xfrm>
           <a:prstGeom prst="rect">
             <a:avLst/>
@@ -6191,7 +6697,7 @@
               </a:spcBef>
             </a:pPr>
             <a:r>
-              <a:rPr lang="en-US" sz="1813" spc="18">
+              <a:rPr lang="en-US" spc="18" dirty="0">
                 <a:solidFill>
                   <a:srgbClr val="000000"/>
                 </a:solidFill>
@@ -6210,15 +6716,15 @@
         </p:nvSpPr>
         <p:spPr>
           <a:xfrm>
-            <a:off x="1724910" y="3652905"/>
-            <a:ext cx="3849115" cy="650875"/>
+            <a:off x="1740477" y="3574386"/>
+            <a:ext cx="3728815" cy="667747"/>
           </a:xfrm>
           <a:prstGeom prst="rect">
             <a:avLst/>
           </a:prstGeom>
         </p:spPr>
         <p:txBody>
-          <a:bodyPr lIns="0" tIns="0" rIns="0" bIns="0" rtlCol="0" anchor="t">
+          <a:bodyPr wrap="square" lIns="0" tIns="0" rIns="0" bIns="0" rtlCol="0" anchor="t">
             <a:spAutoFit/>
           </a:bodyPr>
           <a:lstStyle/>
@@ -6232,13 +6738,22 @@
               </a:spcBef>
             </a:pPr>
             <a:r>
-              <a:rPr lang="en-US" sz="1999" spc="19">
+              <a:rPr lang="en-US" sz="2400" spc="19" dirty="0">
                 <a:solidFill>
                   <a:srgbClr val="000000"/>
                 </a:solidFill>
                 <a:latin typeface="Sigher"/>
               </a:rPr>
-              <a:t> If you are buying a Gift Card, read the Terms and Conditions</a:t>
+              <a:t> </a:t>
+            </a:r>
+            <a:r>
+              <a:rPr lang="en-US" sz="2300" spc="19" dirty="0">
+                <a:solidFill>
+                  <a:srgbClr val="000000"/>
+                </a:solidFill>
+                <a:latin typeface="Sigher"/>
+              </a:rPr>
+              <a:t>If you are buying a Gift Card, read the Terms and Conditions</a:t>
             </a:r>
           </a:p>
         </p:txBody>
@@ -6251,15 +6766,15 @@
         </p:nvSpPr>
         <p:spPr>
           <a:xfrm>
-            <a:off x="1536668" y="6686021"/>
-            <a:ext cx="5814667" cy="770255"/>
+            <a:off x="1875855" y="6735180"/>
+            <a:ext cx="5517678" cy="1077218"/>
           </a:xfrm>
           <a:prstGeom prst="rect">
             <a:avLst/>
           </a:prstGeom>
         </p:spPr>
         <p:txBody>
-          <a:bodyPr lIns="0" tIns="0" rIns="0" bIns="0" rtlCol="0" anchor="t">
+          <a:bodyPr wrap="square" lIns="0" tIns="0" rIns="0" bIns="0" rtlCol="0" anchor="t">
             <a:spAutoFit/>
           </a:bodyPr>
           <a:lstStyle/>
@@ -6273,13 +6788,13 @@
               </a:spcBef>
             </a:pPr>
             <a:r>
-              <a:rPr lang="en-US" sz="1599" spc="15">
+              <a:rPr lang="en-US" spc="15" dirty="0">
                 <a:solidFill>
                   <a:srgbClr val="000000"/>
                 </a:solidFill>
                 <a:latin typeface="Sigher"/>
               </a:rPr>
-              <a:t>If you're creating an account with the retailer (instead of checking out as a guest), make sure you use a strong and unique password. This will make your account harder for hackers and scammers to access. </a:t>
+              <a:t>If you’re creating an account with the retailer (instead of checking out as a guest), make sure you use a strong and unique password. This will make your account harder for hackers and scammers to access. </a:t>
             </a:r>
           </a:p>
         </p:txBody>
@@ -6292,7 +6807,7 @@
         </p:nvSpPr>
         <p:spPr>
           <a:xfrm>
-            <a:off x="2130281" y="6057932"/>
+            <a:off x="2140220" y="6201488"/>
             <a:ext cx="4251106" cy="370840"/>
           </a:xfrm>
           <a:prstGeom prst="rect">
@@ -6314,7 +6829,7 @@
               </a:spcBef>
             </a:pPr>
             <a:r>
-              <a:rPr lang="en-US" sz="2299" spc="22">
+              <a:rPr lang="en-US" sz="2299" spc="22" dirty="0">
                 <a:solidFill>
                   <a:srgbClr val="000000"/>
                 </a:solidFill>
@@ -6333,7 +6848,7 @@
         </p:nvSpPr>
         <p:spPr>
           <a:xfrm>
-            <a:off x="2197958" y="7965772"/>
+            <a:off x="2229165" y="8183261"/>
             <a:ext cx="4053338" cy="370840"/>
           </a:xfrm>
           <a:prstGeom prst="rect">
@@ -6355,7 +6870,7 @@
               </a:spcBef>
             </a:pPr>
             <a:r>
-              <a:rPr lang="en-US" sz="2299" spc="22">
+              <a:rPr lang="en-US" sz="2299" spc="22" dirty="0">
                 <a:solidFill>
                   <a:srgbClr val="000000"/>
                 </a:solidFill>
@@ -6374,15 +6889,15 @@
         </p:nvSpPr>
         <p:spPr>
           <a:xfrm>
-            <a:off x="258733" y="8797881"/>
-            <a:ext cx="7368432" cy="731211"/>
+            <a:off x="233853" y="8689642"/>
+            <a:ext cx="6359785" cy="1025922"/>
           </a:xfrm>
           <a:prstGeom prst="rect">
             <a:avLst/>
           </a:prstGeom>
         </p:spPr>
         <p:txBody>
-          <a:bodyPr lIns="0" tIns="0" rIns="0" bIns="0" rtlCol="0" anchor="t">
+          <a:bodyPr wrap="square" lIns="0" tIns="0" rIns="0" bIns="0" rtlCol="0" anchor="t">
             <a:spAutoFit/>
           </a:bodyPr>
           <a:lstStyle/>
@@ -6396,13 +6911,13 @@
               </a:spcBef>
             </a:pPr>
             <a:r>
-              <a:rPr lang="en-US" sz="1516" spc="15">
+              <a:rPr lang="en-US" spc="15" dirty="0">
                 <a:solidFill>
                   <a:srgbClr val="000000"/>
                 </a:solidFill>
                 <a:latin typeface="Sigher"/>
               </a:rPr>
-              <a:t>Password managers help you securely store your passwords, so you don't have to remember them all or write them down somewhere. Some password managers also allow you to access your passwords from all of your devices, making having secure accounts easier.</a:t>
+              <a:t>Password managers help you securely store your passwords, so you don’t  have to remember them all or write them down somewhere. Some password managers also allow you to access your passwords from all of your devices, making having secure accounts easier</a:t>
             </a:r>
           </a:p>
         </p:txBody>
@@ -6448,8 +6963,8 @@
         </p:nvSpPr>
         <p:spPr>
           <a:xfrm>
-            <a:off x="2294617" y="1793907"/>
-            <a:ext cx="5311695" cy="1786057"/>
+            <a:off x="2009764" y="1793907"/>
+            <a:ext cx="5646717" cy="1821807"/>
           </a:xfrm>
           <a:custGeom>
             <a:avLst/>
@@ -6495,7 +7010,7 @@
           <a:bodyPr/>
           <a:lstStyle/>
           <a:p>
-            <a:endParaRPr lang="en-US"/>
+            <a:endParaRPr lang="en-US" dirty="0"/>
           </a:p>
         </p:txBody>
       </p:sp>
@@ -6507,8 +7022,8 @@
         </p:nvSpPr>
         <p:spPr>
           <a:xfrm>
-            <a:off x="324605" y="1233199"/>
-            <a:ext cx="2258583" cy="2258583"/>
+            <a:off x="115918" y="1232602"/>
+            <a:ext cx="1970012" cy="2049810"/>
           </a:xfrm>
           <a:custGeom>
             <a:avLst/>
@@ -6625,8 +7140,8 @@
         </p:nvSpPr>
         <p:spPr>
           <a:xfrm>
-            <a:off x="452932" y="4272661"/>
-            <a:ext cx="5575028" cy="1874603"/>
+            <a:off x="89647" y="4272661"/>
+            <a:ext cx="5938313" cy="1874603"/>
           </a:xfrm>
           <a:custGeom>
             <a:avLst/>
@@ -6684,8 +7199,8 @@
         </p:nvSpPr>
         <p:spPr>
           <a:xfrm>
-            <a:off x="1724910" y="3468556"/>
-            <a:ext cx="4191520" cy="1299371"/>
+            <a:off x="1724910" y="3467944"/>
+            <a:ext cx="3939275" cy="1299984"/>
           </a:xfrm>
           <a:custGeom>
             <a:avLst/>
@@ -6743,8 +7258,8 @@
         </p:nvSpPr>
         <p:spPr>
           <a:xfrm>
-            <a:off x="1582958" y="6397518"/>
-            <a:ext cx="5814667" cy="1234879"/>
+            <a:off x="1618080" y="6243619"/>
+            <a:ext cx="6154320" cy="1874603"/>
           </a:xfrm>
           <a:custGeom>
             <a:avLst/>
@@ -6790,7 +7305,28 @@
           <a:bodyPr/>
           <a:lstStyle/>
           <a:p>
-            <a:endParaRPr lang="en-US"/>
+            <a:endParaRPr lang="en-US" dirty="0">
+              <a:latin typeface="Sigher" panose="020B0604020202020204" charset="0"/>
+            </a:endParaRPr>
+          </a:p>
+          <a:p>
+            <a:r>
+              <a:rPr lang="en-US" dirty="0">
+                <a:latin typeface="Sigher" panose="020B0604020202020204" charset="0"/>
+              </a:rPr>
+              <a:t>Avoid using debit cards or checks—credit cards offer better       fraud protection.</a:t>
+            </a:r>
+            <a:br>
+              <a:rPr lang="en-US" dirty="0">
+                <a:latin typeface="Sigher" panose="020B0604020202020204" charset="0"/>
+              </a:rPr>
+            </a:br>
+            <a:r>
+              <a:rPr lang="en-US" dirty="0">
+                <a:latin typeface="Sigher" panose="020B0604020202020204" charset="0"/>
+              </a:rPr>
+              <a:t>Credit cards limit your liability to $50 and keep your bank funds safe. With debit cards, stolen funds come directly from your account and can take time to recover.</a:t>
+            </a:r>
           </a:p>
         </p:txBody>
       </p:sp>
@@ -6802,8 +7338,8 @@
         </p:nvSpPr>
         <p:spPr>
           <a:xfrm>
-            <a:off x="5679963" y="3904735"/>
-            <a:ext cx="2092437" cy="2092437"/>
+            <a:off x="5871290" y="3981186"/>
+            <a:ext cx="1901110" cy="2015986"/>
           </a:xfrm>
           <a:custGeom>
             <a:avLst/>
@@ -6861,8 +7397,8 @@
         </p:nvSpPr>
         <p:spPr>
           <a:xfrm>
-            <a:off x="2130281" y="5902675"/>
-            <a:ext cx="4251106" cy="600742"/>
+            <a:off x="2142651" y="5902674"/>
+            <a:ext cx="4238735" cy="734921"/>
           </a:xfrm>
           <a:custGeom>
             <a:avLst/>
@@ -6908,7 +7444,7 @@
           <a:bodyPr/>
           <a:lstStyle/>
           <a:p>
-            <a:endParaRPr lang="en-US"/>
+            <a:endParaRPr lang="en-US" dirty="0"/>
           </a:p>
         </p:txBody>
       </p:sp>
@@ -6979,8 +7515,8 @@
         </p:nvSpPr>
         <p:spPr>
           <a:xfrm>
-            <a:off x="2830728" y="7690421"/>
-            <a:ext cx="3722240" cy="1103353"/>
+            <a:off x="2466688" y="7940221"/>
+            <a:ext cx="3722240" cy="904844"/>
           </a:xfrm>
           <a:custGeom>
             <a:avLst/>
@@ -7038,8 +7574,8 @@
         </p:nvSpPr>
         <p:spPr>
           <a:xfrm>
-            <a:off x="-36882" y="5848382"/>
-            <a:ext cx="2258583" cy="2258583"/>
+            <a:off x="41885" y="6306204"/>
+            <a:ext cx="1683026" cy="1621641"/>
           </a:xfrm>
           <a:custGeom>
             <a:avLst/>
@@ -7097,8 +7633,8 @@
         </p:nvSpPr>
         <p:spPr>
           <a:xfrm>
-            <a:off x="5916430" y="7870522"/>
-            <a:ext cx="1901110" cy="1901110"/>
+            <a:off x="6143788" y="7710332"/>
+            <a:ext cx="1628612" cy="1652512"/>
           </a:xfrm>
           <a:custGeom>
             <a:avLst/>
@@ -7156,7 +7692,7 @@
         </p:nvSpPr>
         <p:spPr>
           <a:xfrm>
-            <a:off x="6546342" y="8241997"/>
+            <a:off x="6477038" y="8053892"/>
             <a:ext cx="1059970" cy="1059970"/>
           </a:xfrm>
           <a:custGeom>
@@ -7209,8 +7745,8 @@
         </p:nvSpPr>
         <p:spPr>
           <a:xfrm>
-            <a:off x="229397" y="5971375"/>
-            <a:ext cx="1726026" cy="1950043"/>
+            <a:off x="402167" y="6384339"/>
+            <a:ext cx="1063096" cy="1325993"/>
           </a:xfrm>
           <a:custGeom>
             <a:avLst/>
@@ -7262,8 +7798,8 @@
         </p:nvSpPr>
         <p:spPr>
           <a:xfrm>
-            <a:off x="5820855" y="4033989"/>
-            <a:ext cx="1728241" cy="1719810"/>
+            <a:off x="5965998" y="4118483"/>
+            <a:ext cx="1614064" cy="1652666"/>
           </a:xfrm>
           <a:custGeom>
             <a:avLst/>
@@ -7315,8 +7851,8 @@
         </p:nvSpPr>
         <p:spPr>
           <a:xfrm>
-            <a:off x="554458" y="1491984"/>
-            <a:ext cx="1798878" cy="1519371"/>
+            <a:off x="405712" y="1478275"/>
+            <a:ext cx="1604052" cy="1296309"/>
           </a:xfrm>
           <a:custGeom>
             <a:avLst/>
@@ -7387,7 +7923,7 @@
               </a:lnSpc>
             </a:pPr>
             <a:r>
-              <a:rPr lang="en-US" sz="4421">
+              <a:rPr lang="en-US" sz="4421" dirty="0">
                 <a:solidFill>
                   <a:srgbClr val="000000"/>
                 </a:solidFill>
@@ -7447,7 +7983,7 @@
         </p:nvSpPr>
         <p:spPr>
           <a:xfrm>
-            <a:off x="2410479" y="1245554"/>
+            <a:off x="2301244" y="1260762"/>
             <a:ext cx="4806205" cy="687705"/>
           </a:xfrm>
           <a:prstGeom prst="rect">
@@ -7469,7 +8005,7 @@
               </a:spcBef>
             </a:pPr>
             <a:r>
-              <a:rPr lang="en-US" sz="2099" spc="20">
+              <a:rPr lang="en-US" sz="2300" spc="20" dirty="0">
                 <a:solidFill>
                   <a:srgbClr val="000000"/>
                 </a:solidFill>
@@ -7488,15 +8024,15 @@
         </p:nvSpPr>
         <p:spPr>
           <a:xfrm>
-            <a:off x="2719295" y="2028509"/>
-            <a:ext cx="4497390" cy="1450782"/>
+            <a:off x="2180967" y="2028508"/>
+            <a:ext cx="5216658" cy="1457835"/>
           </a:xfrm>
           <a:prstGeom prst="rect">
             <a:avLst/>
           </a:prstGeom>
         </p:spPr>
         <p:txBody>
-          <a:bodyPr lIns="0" tIns="0" rIns="0" bIns="0" rtlCol="0" anchor="t">
+          <a:bodyPr wrap="square" lIns="0" tIns="0" rIns="0" bIns="0" rtlCol="0" anchor="t">
             <a:spAutoFit/>
           </a:bodyPr>
           <a:lstStyle/>
@@ -7510,22 +8046,13 @@
               </a:spcBef>
             </a:pPr>
             <a:r>
-              <a:rPr lang="en-US" sz="1198" spc="11" dirty="0">
+              <a:rPr lang="en-US" spc="11" dirty="0">
                 <a:solidFill>
                   <a:srgbClr val="000000"/>
                 </a:solidFill>
                 <a:latin typeface="Sigher"/>
               </a:rPr>
-              <a:t> </a:t>
-            </a:r>
-            <a:r>
-              <a:rPr lang="en-US" sz="1600" spc="11" dirty="0">
-                <a:solidFill>
-                  <a:srgbClr val="000000"/>
-                </a:solidFill>
-                <a:latin typeface="Sigher"/>
-              </a:rPr>
-              <a:t>if you get into the habit of checking your bank statements, you’ll spot inconsistencies far sooner.</a:t>
+              <a:t> if you get into the habit of checking your bank statements, you’ll spot inconsistencies far sooner.</a:t>
             </a:r>
           </a:p>
           <a:p>
@@ -7537,7 +8064,7 @@
                 <a:spcPct val="0"/>
               </a:spcBef>
             </a:pPr>
-            <a:endParaRPr lang="en-US" sz="1600" spc="11" dirty="0">
+            <a:endParaRPr lang="en-US" spc="11" dirty="0">
               <a:solidFill>
                 <a:srgbClr val="000000"/>
               </a:solidFill>
@@ -7554,7 +8081,7 @@
               </a:spcBef>
             </a:pPr>
             <a:r>
-              <a:rPr lang="en-US" sz="1600" spc="12" dirty="0">
+              <a:rPr lang="en-US" spc="12" dirty="0">
                 <a:solidFill>
                   <a:srgbClr val="000000"/>
                 </a:solidFill>
@@ -7574,7 +8101,7 @@
         <p:spPr>
           <a:xfrm>
             <a:off x="1896113" y="3694264"/>
-            <a:ext cx="3849115" cy="650875"/>
+            <a:ext cx="3849115" cy="667747"/>
           </a:xfrm>
           <a:prstGeom prst="rect">
             <a:avLst/>
@@ -7595,7 +8122,7 @@
               </a:spcBef>
             </a:pPr>
             <a:r>
-              <a:rPr lang="en-US" sz="1999" spc="19">
+              <a:rPr lang="en-US" sz="2300" spc="19" dirty="0">
                 <a:solidFill>
                   <a:srgbClr val="000000"/>
                 </a:solidFill>
@@ -7614,8 +8141,8 @@
         </p:nvSpPr>
         <p:spPr>
           <a:xfrm>
-            <a:off x="797048" y="4630890"/>
-            <a:ext cx="5074242" cy="1111885"/>
+            <a:off x="609819" y="4538349"/>
+            <a:ext cx="5074242" cy="1403333"/>
           </a:xfrm>
           <a:prstGeom prst="rect">
             <a:avLst/>
@@ -7636,31 +8163,22 @@
               </a:spcBef>
             </a:pPr>
             <a:r>
+              <a:rPr lang="en-US" spc="16" dirty="0">
+                <a:solidFill>
+                  <a:srgbClr val="000000"/>
+                </a:solidFill>
+                <a:latin typeface="Sigher"/>
+              </a:rPr>
+              <a:t>One of the riskiest places to shop is on classified websites, such as Craigslist, Offer Up, and Facebook Marketplace. Although there are plenty of genuine sellers on these platforms, there are also a lot of scammers</a:t>
+            </a:r>
+            <a:r>
               <a:rPr lang="en-US" sz="1699" spc="16" dirty="0">
                 <a:solidFill>
                   <a:srgbClr val="000000"/>
                 </a:solidFill>
                 <a:latin typeface="Sigher"/>
               </a:rPr>
-              <a:t>One of the riskiest places to shop is on classified websites, such as Craigslist, </a:t>
-            </a:r>
-            <a:r>
-              <a:rPr lang="en-US" sz="1699" spc="16" dirty="0" err="1">
-                <a:solidFill>
-                  <a:srgbClr val="000000"/>
-                </a:solidFill>
-                <a:latin typeface="Sigher"/>
-              </a:rPr>
-              <a:t>OfferUp</a:t>
-            </a:r>
-            <a:r>
-              <a:rPr lang="en-US" sz="1699" spc="16" dirty="0">
-                <a:solidFill>
-                  <a:srgbClr val="000000"/>
-                </a:solidFill>
-                <a:latin typeface="Sigher"/>
-              </a:rPr>
-              <a:t>, and Facebook Marketplace. Although there are plenty of genuine sellers on these platforms, there are also a lot of scammers. </a:t>
+              <a:t>. </a:t>
             </a:r>
           </a:p>
         </p:txBody>
@@ -7695,7 +8213,7 @@
               </a:spcBef>
             </a:pPr>
             <a:r>
-              <a:rPr lang="en-US" sz="2299" spc="22">
+              <a:rPr lang="en-US" sz="2299" spc="22" dirty="0">
                 <a:solidFill>
                   <a:srgbClr val="000000"/>
                 </a:solidFill>
@@ -7708,93 +8226,14 @@
       </p:sp>
       <p:sp>
         <p:nvSpPr>
-          <p:cNvPr id="25" name="TextBox 25"/>
-          <p:cNvSpPr txBox="1"/>
-          <p:nvPr/>
-        </p:nvSpPr>
-        <p:spPr>
-          <a:xfrm>
-            <a:off x="1724910" y="6491004"/>
-            <a:ext cx="5824185" cy="1179169"/>
-          </a:xfrm>
-          <a:prstGeom prst="rect">
-            <a:avLst/>
-          </a:prstGeom>
-        </p:spPr>
-        <p:txBody>
-          <a:bodyPr wrap="square" lIns="0" tIns="0" rIns="0" bIns="0" rtlCol="0" anchor="t">
-            <a:spAutoFit/>
-          </a:bodyPr>
-          <a:lstStyle/>
-          <a:p>
-            <a:pPr algn="ctr">
-              <a:lnSpc>
-                <a:spcPts val="1278"/>
-              </a:lnSpc>
-              <a:spcBef>
-                <a:spcPct val="0"/>
-              </a:spcBef>
-            </a:pPr>
-            <a:r>
-              <a:rPr lang="en-US" sz="1400" spc="9" dirty="0">
-                <a:solidFill>
-                  <a:srgbClr val="000000"/>
-                </a:solidFill>
-                <a:latin typeface="Sigher"/>
-              </a:rPr>
-              <a:t>Do not use a debit card or check as these do not have the same security protections in place for you should a problem arise.</a:t>
-            </a:r>
-          </a:p>
-          <a:p>
-            <a:pPr algn="ctr">
-              <a:lnSpc>
-                <a:spcPts val="1278"/>
-              </a:lnSpc>
-              <a:spcBef>
-                <a:spcPct val="0"/>
-              </a:spcBef>
-            </a:pPr>
-            <a:r>
-              <a:rPr lang="en-US" sz="1400" spc="9" dirty="0">
-                <a:solidFill>
-                  <a:srgbClr val="000000"/>
-                </a:solidFill>
-                <a:latin typeface="Sigher"/>
-              </a:rPr>
-              <a:t> </a:t>
-            </a:r>
-          </a:p>
-          <a:p>
-            <a:pPr algn="ctr">
-              <a:lnSpc>
-                <a:spcPts val="1278"/>
-              </a:lnSpc>
-              <a:spcBef>
-                <a:spcPct val="0"/>
-              </a:spcBef>
-            </a:pPr>
-            <a:r>
-              <a:rPr lang="en-US" sz="1400" spc="9" dirty="0">
-                <a:solidFill>
-                  <a:srgbClr val="000000"/>
-                </a:solidFill>
-                <a:latin typeface="Sigher"/>
-              </a:rPr>
-              <a:t>Credit card purchases limit your liability to no more than $50 of unauthorized charges if your financial information is stolen, and the money in your bank account is untouched. Most debit cards do not offer this protection – and even when they do, you’re the one out of funds in the meantime.</a:t>
-            </a:r>
-          </a:p>
-        </p:txBody>
-      </p:sp>
-      <p:sp>
-        <p:nvSpPr>
           <p:cNvPr id="26" name="TextBox 26"/>
           <p:cNvSpPr txBox="1"/>
           <p:nvPr/>
         </p:nvSpPr>
         <p:spPr>
           <a:xfrm>
-            <a:off x="2388197" y="7841947"/>
-            <a:ext cx="4053338" cy="398145"/>
+            <a:off x="2390386" y="8161146"/>
+            <a:ext cx="4053338" cy="378950"/>
           </a:xfrm>
           <a:prstGeom prst="rect">
             <a:avLst/>
@@ -7815,7 +8254,7 @@
               </a:spcBef>
             </a:pPr>
             <a:r>
-              <a:rPr lang="en-US" sz="2399" spc="23" dirty="0">
+              <a:rPr lang="en-US" sz="2300" spc="23" dirty="0">
                 <a:solidFill>
                   <a:srgbClr val="000000"/>
                 </a:solidFill>
@@ -7835,7 +8274,7 @@
         <p:spPr>
           <a:xfrm>
             <a:off x="324605" y="8687768"/>
-            <a:ext cx="6448425" cy="1017757"/>
+            <a:ext cx="6448425" cy="1077218"/>
           </a:xfrm>
           <a:prstGeom prst="rect">
             <a:avLst/>
@@ -7856,13 +8295,13 @@
               </a:spcBef>
             </a:pPr>
             <a:r>
-              <a:rPr lang="en-US" sz="1611" spc="16" dirty="0">
+              <a:rPr lang="en-US" spc="16" dirty="0">
                 <a:solidFill>
                   <a:srgbClr val="000000"/>
                 </a:solidFill>
                 <a:latin typeface="Sigher"/>
               </a:rPr>
-              <a:t>Don't be embarrassed if you get taken for a ride while online shopping. Instead, get very mad. Complain to the seller. If you don't get satisfaction, report it to the Federal Trade Commission, your state's attorney general, even the FBI. </a:t>
+              <a:t>Don’t be embarrassed if you get taken for a ride while online shopping. Instead, Complain to the seller. If you don’t get satisfaction, report it to the Federal Trade Commission, Your states attorney even the FBI. </a:t>
             </a:r>
           </a:p>
         </p:txBody>
